--- a/architecture/1.大型网站架构演化.pptx
+++ b/architecture/1.大型网站架构演化.pptx
@@ -128,6 +128,11 @@
       </a:defRPr>
     </a:lvl9pPr>
   </p:defaultTextStyle>
+  <p:extLst>
+    <p:ext uri="{EFAFB233-063F-42B5-8137-9DF3F51BA10A}">
+      <p15:sldGuideLst xmlns:p15="http://schemas.microsoft.com/office/powerpoint/2012/main"/>
+    </p:ext>
+  </p:extLst>
 </p:presentation>
 </file>
 
@@ -213,7 +218,7 @@
           <a:p>
             <a:fld id="{69540E8F-9C80-8041-9182-06167D5838DC}" type="datetimeFigureOut">
               <a:rPr lang="en-US" smtClean="0"/>
-              <a:t>6/28/19</a:t>
+              <a:t>7/8/19</a:t>
             </a:fld>
             <a:endParaRPr lang="en-US"/>
           </a:p>
@@ -574,6 +579,109 @@
 </p:notes>
 </file>
 
+<file path=ppt/notesSlides/notesSlide2.xml><?xml version="1.0" encoding="utf-8"?>
+<p:notes xmlns:a="http://schemas.openxmlformats.org/drawingml/2006/main" xmlns:r="http://schemas.openxmlformats.org/officeDocument/2006/relationships" xmlns:p="http://schemas.openxmlformats.org/presentationml/2006/main">
+  <p:cSld>
+    <p:spTree>
+      <p:nvGrpSpPr>
+        <p:cNvPr id="1" name=""/>
+        <p:cNvGrpSpPr/>
+        <p:nvPr/>
+      </p:nvGrpSpPr>
+      <p:grpSpPr>
+        <a:xfrm>
+          <a:off x="0" y="0"/>
+          <a:ext cx="0" cy="0"/>
+          <a:chOff x="0" y="0"/>
+          <a:chExt cx="0" cy="0"/>
+        </a:xfrm>
+      </p:grpSpPr>
+      <p:sp>
+        <p:nvSpPr>
+          <p:cNvPr id="2" name="Slide Image Placeholder 1"/>
+          <p:cNvSpPr>
+            <a:spLocks noGrp="1" noRot="1" noChangeAspect="1"/>
+          </p:cNvSpPr>
+          <p:nvPr>
+            <p:ph type="sldImg"/>
+          </p:nvPr>
+        </p:nvSpPr>
+        <p:spPr/>
+      </p:sp>
+      <p:sp>
+        <p:nvSpPr>
+          <p:cNvPr id="3" name="Notes Placeholder 2"/>
+          <p:cNvSpPr>
+            <a:spLocks noGrp="1"/>
+          </p:cNvSpPr>
+          <p:nvPr>
+            <p:ph type="body" idx="1"/>
+          </p:nvPr>
+        </p:nvSpPr>
+        <p:spPr/>
+        <p:txBody>
+          <a:bodyPr/>
+          <a:lstStyle/>
+          <a:p>
+            <a:r>
+              <a:rPr lang="zh-CN" altLang="en-US" dirty="0" smtClean="0"/>
+              <a:t>排序大赛：</a:t>
+            </a:r>
+            <a:endParaRPr lang="en-US" altLang="zh-CN" dirty="0" smtClean="0"/>
+          </a:p>
+          <a:p>
+            <a:r>
+              <a:rPr lang="en-US" dirty="0" smtClean="0">
+                <a:hlinkClick r:id="rId3"/>
+              </a:rPr>
+              <a:t>https://chuansongme.com</a:t>
+            </a:r>
+            <a:r>
+              <a:rPr lang="en-US" smtClean="0">
+                <a:hlinkClick r:id="rId3"/>
+              </a:rPr>
+              <a:t>/n/1094084551450</a:t>
+            </a:r>
+            <a:endParaRPr lang="en-US"/>
+          </a:p>
+        </p:txBody>
+      </p:sp>
+      <p:sp>
+        <p:nvSpPr>
+          <p:cNvPr id="4" name="Slide Number Placeholder 3"/>
+          <p:cNvSpPr>
+            <a:spLocks noGrp="1"/>
+          </p:cNvSpPr>
+          <p:nvPr>
+            <p:ph type="sldNum" sz="quarter" idx="10"/>
+          </p:nvPr>
+        </p:nvSpPr>
+        <p:spPr/>
+        <p:txBody>
+          <a:bodyPr/>
+          <a:lstStyle/>
+          <a:p>
+            <a:fld id="{3DDB6DA2-0415-FA4C-960A-ED2A1D1DD741}" type="slidenum">
+              <a:rPr lang="en-US" smtClean="0"/>
+              <a:t>7</a:t>
+            </a:fld>
+            <a:endParaRPr lang="en-US"/>
+          </a:p>
+        </p:txBody>
+      </p:sp>
+    </p:spTree>
+    <p:extLst>
+      <p:ext uri="{BB962C8B-B14F-4D97-AF65-F5344CB8AC3E}">
+        <p14:creationId xmlns:p14="http://schemas.microsoft.com/office/powerpoint/2010/main" val="1462606664"/>
+      </p:ext>
+    </p:extLst>
+  </p:cSld>
+  <p:clrMapOvr>
+    <a:masterClrMapping/>
+  </p:clrMapOvr>
+</p:notes>
+</file>
+
 <file path=ppt/slideLayouts/slideLayout1.xml><?xml version="1.0" encoding="utf-8"?>
 <p:sldLayout xmlns:a="http://schemas.openxmlformats.org/drawingml/2006/main" xmlns:r="http://schemas.openxmlformats.org/officeDocument/2006/relationships" xmlns:p="http://schemas.openxmlformats.org/presentationml/2006/main" type="title" preserve="1">
   <p:cSld name="Title Slide">
@@ -705,7 +813,7 @@
           <a:p>
             <a:fld id="{B4ABA045-6777-B64C-A748-B76E74D47C00}" type="datetimeFigureOut">
               <a:rPr lang="en-US" smtClean="0"/>
-              <a:t>6/28/19</a:t>
+              <a:t>7/8/19</a:t>
             </a:fld>
             <a:endParaRPr lang="en-US"/>
           </a:p>
@@ -875,7 +983,7 @@
           <a:p>
             <a:fld id="{B4ABA045-6777-B64C-A748-B76E74D47C00}" type="datetimeFigureOut">
               <a:rPr lang="en-US" smtClean="0"/>
-              <a:t>6/28/19</a:t>
+              <a:t>7/8/19</a:t>
             </a:fld>
             <a:endParaRPr lang="en-US"/>
           </a:p>
@@ -1055,7 +1163,7 @@
           <a:p>
             <a:fld id="{B4ABA045-6777-B64C-A748-B76E74D47C00}" type="datetimeFigureOut">
               <a:rPr lang="en-US" smtClean="0"/>
-              <a:t>6/28/19</a:t>
+              <a:t>7/8/19</a:t>
             </a:fld>
             <a:endParaRPr lang="en-US"/>
           </a:p>
@@ -1225,7 +1333,7 @@
           <a:p>
             <a:fld id="{B4ABA045-6777-B64C-A748-B76E74D47C00}" type="datetimeFigureOut">
               <a:rPr lang="en-US" smtClean="0"/>
-              <a:t>6/28/19</a:t>
+              <a:t>7/8/19</a:t>
             </a:fld>
             <a:endParaRPr lang="en-US"/>
           </a:p>
@@ -1471,7 +1579,7 @@
           <a:p>
             <a:fld id="{B4ABA045-6777-B64C-A748-B76E74D47C00}" type="datetimeFigureOut">
               <a:rPr lang="en-US" smtClean="0"/>
-              <a:t>6/28/19</a:t>
+              <a:t>7/8/19</a:t>
             </a:fld>
             <a:endParaRPr lang="en-US"/>
           </a:p>
@@ -1703,7 +1811,7 @@
           <a:p>
             <a:fld id="{B4ABA045-6777-B64C-A748-B76E74D47C00}" type="datetimeFigureOut">
               <a:rPr lang="en-US" smtClean="0"/>
-              <a:t>6/28/19</a:t>
+              <a:t>7/8/19</a:t>
             </a:fld>
             <a:endParaRPr lang="en-US"/>
           </a:p>
@@ -2070,7 +2178,7 @@
           <a:p>
             <a:fld id="{B4ABA045-6777-B64C-A748-B76E74D47C00}" type="datetimeFigureOut">
               <a:rPr lang="en-US" smtClean="0"/>
-              <a:t>6/28/19</a:t>
+              <a:t>7/8/19</a:t>
             </a:fld>
             <a:endParaRPr lang="en-US"/>
           </a:p>
@@ -2188,7 +2296,7 @@
           <a:p>
             <a:fld id="{B4ABA045-6777-B64C-A748-B76E74D47C00}" type="datetimeFigureOut">
               <a:rPr lang="en-US" smtClean="0"/>
-              <a:t>6/28/19</a:t>
+              <a:t>7/8/19</a:t>
             </a:fld>
             <a:endParaRPr lang="en-US"/>
           </a:p>
@@ -2283,7 +2391,7 @@
           <a:p>
             <a:fld id="{B4ABA045-6777-B64C-A748-B76E74D47C00}" type="datetimeFigureOut">
               <a:rPr lang="en-US" smtClean="0"/>
-              <a:t>6/28/19</a:t>
+              <a:t>7/8/19</a:t>
             </a:fld>
             <a:endParaRPr lang="en-US"/>
           </a:p>
@@ -2560,7 +2668,7 @@
           <a:p>
             <a:fld id="{B4ABA045-6777-B64C-A748-B76E74D47C00}" type="datetimeFigureOut">
               <a:rPr lang="en-US" smtClean="0"/>
-              <a:t>6/28/19</a:t>
+              <a:t>7/8/19</a:t>
             </a:fld>
             <a:endParaRPr lang="en-US"/>
           </a:p>
@@ -2813,7 +2921,7 @@
           <a:p>
             <a:fld id="{B4ABA045-6777-B64C-A748-B76E74D47C00}" type="datetimeFigureOut">
               <a:rPr lang="en-US" smtClean="0"/>
-              <a:t>6/28/19</a:t>
+              <a:t>7/8/19</a:t>
             </a:fld>
             <a:endParaRPr lang="en-US"/>
           </a:p>
@@ -3026,7 +3134,7 @@
           <a:p>
             <a:fld id="{B4ABA045-6777-B64C-A748-B76E74D47C00}" type="datetimeFigureOut">
               <a:rPr lang="en-US" smtClean="0"/>
-              <a:t>6/28/19</a:t>
+              <a:t>7/8/19</a:t>
             </a:fld>
             <a:endParaRPr lang="en-US"/>
           </a:p>
